--- a/JDD.pptx
+++ b/JDD.pptx
@@ -5,10 +5,10 @@
     <p:sldMasterId id="2147483683" r:id="rId1"/>
   </p:sldMasterIdLst>
   <p:notesMasterIdLst>
-    <p:notesMasterId r:id="rId11"/>
+    <p:notesMasterId r:id="rId12"/>
   </p:notesMasterIdLst>
   <p:handoutMasterIdLst>
-    <p:handoutMasterId r:id="rId12"/>
+    <p:handoutMasterId r:id="rId13"/>
   </p:handoutMasterIdLst>
   <p:sldIdLst>
     <p:sldId id="507" r:id="rId2"/>
@@ -19,7 +19,8 @@
     <p:sldId id="587" r:id="rId7"/>
     <p:sldId id="590" r:id="rId8"/>
     <p:sldId id="591" r:id="rId9"/>
-    <p:sldId id="588" r:id="rId10"/>
+    <p:sldId id="592" r:id="rId10"/>
+    <p:sldId id="588" r:id="rId11"/>
   </p:sldIdLst>
   <p:sldSz cx="9144000" cy="5143500" type="screen16x9"/>
   <p:notesSz cx="9144000" cy="6858000"/>
@@ -1060,7 +1061,7 @@
             <a:fld id="{36E82501-53DA-4152-84B0-51135B15EEA8}" type="slidenum">
               <a:rPr lang="en-US" smtClean="0"/>
               <a:pPr/>
-              <a:t>9</a:t>
+              <a:t>10</a:t>
             </a:fld>
             <a:endParaRPr lang="en-US"/>
           </a:p>
@@ -6285,6 +6286,175 @@
     <p:extLst>
       <p:ext uri="{BB962C8B-B14F-4D97-AF65-F5344CB8AC3E}">
         <p14:creationId xmlns:p14="http://schemas.microsoft.com/office/powerpoint/2010/main" val="3836489994"/>
+      </p:ext>
+    </p:extLst>
+  </p:cSld>
+  <p:clrMapOvr>
+    <a:masterClrMapping/>
+  </p:clrMapOvr>
+  <mc:AlternateContent xmlns:mc="http://schemas.openxmlformats.org/markup-compatibility/2006" xmlns:p14="http://schemas.microsoft.com/office/powerpoint/2010/main">
+    <mc:Choice Requires="p14">
+      <p:transition spd="med" p14:dur="700">
+        <p:fade/>
+      </p:transition>
+    </mc:Choice>
+    <mc:Fallback xmlns="">
+      <p:transition spd="med">
+        <p:fade/>
+      </p:transition>
+    </mc:Fallback>
+  </mc:AlternateContent>
+  <p:timing>
+    <p:tnLst>
+      <p:par>
+        <p:cTn xmlns:p14="http://schemas.microsoft.com/office/powerpoint/2010/main" id="1" dur="indefinite" restart="never" nodeType="tmRoot"/>
+      </p:par>
+    </p:tnLst>
+  </p:timing>
+</p:sld>
+</file>
+
+<file path=ppt/slides/slide10.xml><?xml version="1.0" encoding="utf-8"?>
+<p:sld xmlns:a="http://schemas.openxmlformats.org/drawingml/2006/main" xmlns:r="http://schemas.openxmlformats.org/officeDocument/2006/relationships" xmlns:p="http://schemas.openxmlformats.org/presentationml/2006/main">
+  <p:cSld>
+    <p:spTree>
+      <p:nvGrpSpPr>
+        <p:cNvPr id="1" name=""/>
+        <p:cNvGrpSpPr/>
+        <p:nvPr/>
+      </p:nvGrpSpPr>
+      <p:grpSpPr>
+        <a:xfrm>
+          <a:off x="0" y="0"/>
+          <a:ext cx="0" cy="0"/>
+          <a:chOff x="0" y="0"/>
+          <a:chExt cx="0" cy="0"/>
+        </a:xfrm>
+      </p:grpSpPr>
+      <p:sp>
+        <p:nvSpPr>
+          <p:cNvPr id="7" name="Title 6"/>
+          <p:cNvSpPr>
+            <a:spLocks noGrp="1"/>
+          </p:cNvSpPr>
+          <p:nvPr>
+            <p:ph type="title"/>
+          </p:nvPr>
+        </p:nvSpPr>
+        <p:spPr/>
+        <p:txBody>
+          <a:bodyPr/>
+          <a:lstStyle/>
+          <a:p>
+            <a:r>
+              <a:rPr lang="en-US" smtClean="0"/>
+              <a:t>Díky</a:t>
+            </a:r>
+            <a:r>
+              <a:rPr lang="en-US" dirty="0" smtClean="0"/>
+              <a:t> </a:t>
+            </a:r>
+            <a:r>
+              <a:rPr lang="en-US" dirty="0" err="1" smtClean="0"/>
+              <a:t>za</a:t>
+            </a:r>
+            <a:r>
+              <a:rPr lang="en-US" dirty="0" smtClean="0"/>
+              <a:t> </a:t>
+            </a:r>
+            <a:r>
+              <a:rPr lang="en-US" dirty="0" err="1" smtClean="0"/>
+              <a:t>pozornost</a:t>
+            </a:r>
+            <a:endParaRPr lang="en-US" dirty="0"/>
+          </a:p>
+        </p:txBody>
+      </p:sp>
+      <p:sp>
+        <p:nvSpPr>
+          <p:cNvPr id="8" name="Text Placeholder 7"/>
+          <p:cNvSpPr>
+            <a:spLocks noGrp="1"/>
+          </p:cNvSpPr>
+          <p:nvPr>
+            <p:ph type="body" sz="quarter" idx="13"/>
+          </p:nvPr>
+        </p:nvSpPr>
+        <p:spPr/>
+        <p:txBody>
+          <a:bodyPr/>
+          <a:lstStyle/>
+          <a:p>
+            <a:r>
+              <a:rPr lang="en-US" dirty="0" smtClean="0"/>
+              <a:t/>
+            </a:r>
+            <a:br>
+              <a:rPr lang="en-US" dirty="0" smtClean="0"/>
+            </a:br>
+            <a:endParaRPr lang="en-US" dirty="0"/>
+          </a:p>
+        </p:txBody>
+      </p:sp>
+      <p:pic>
+        <p:nvPicPr>
+          <p:cNvPr id="10" name="Picture 9" descr="O_signature_wht_rgb.png"/>
+          <p:cNvPicPr>
+            <a:picLocks noChangeAspect="1"/>
+          </p:cNvPicPr>
+          <p:nvPr/>
+        </p:nvPicPr>
+        <p:blipFill>
+          <a:blip r:embed="rId3" cstate="print">
+            <a:extLst>
+              <a:ext uri="{28A0092B-C50C-407E-A947-70E740481C1C}">
+                <a14:useLocalDpi xmlns:a14="http://schemas.microsoft.com/office/drawing/2010/main" val="0"/>
+              </a:ext>
+            </a:extLst>
+          </a:blip>
+          <a:stretch>
+            <a:fillRect/>
+          </a:stretch>
+        </p:blipFill>
+        <p:spPr>
+          <a:xfrm>
+            <a:off x="5976425" y="4055396"/>
+            <a:ext cx="1050909" cy="324030"/>
+          </a:xfrm>
+          <a:prstGeom prst="rect">
+            <a:avLst/>
+          </a:prstGeom>
+        </p:spPr>
+      </p:pic>
+      <p:pic>
+        <p:nvPicPr>
+          <p:cNvPr id="3" name="Picture Placeholder 2" descr="JavaOne-Title_-16x9.jpg"/>
+          <p:cNvPicPr>
+            <a:picLocks noGrp="1" noChangeAspect="1"/>
+          </p:cNvPicPr>
+          <p:nvPr>
+            <p:ph type="pic" sz="quarter" idx="14"/>
+          </p:nvPr>
+        </p:nvPicPr>
+        <p:blipFill>
+          <a:blip r:embed="rId4" cstate="print">
+            <a:extLst>
+              <a:ext uri="{28A0092B-C50C-407E-A947-70E740481C1C}">
+                <a14:useLocalDpi xmlns:a14="http://schemas.microsoft.com/office/drawing/2010/main" val="0"/>
+              </a:ext>
+            </a:extLst>
+          </a:blip>
+          <a:srcRect t="89" b="89"/>
+          <a:stretch>
+            <a:fillRect/>
+          </a:stretch>
+        </p:blipFill>
+        <p:spPr/>
+      </p:pic>
+    </p:spTree>
+    <p:extLst>
+      <p:ext uri="{BB962C8B-B14F-4D97-AF65-F5344CB8AC3E}">
+        <p14:creationId xmlns:p14="http://schemas.microsoft.com/office/powerpoint/2010/main" val="2357918461"/>
       </p:ext>
     </p:extLst>
   </p:cSld>
@@ -9657,7 +9827,12 @@
             <p:ph type="title"/>
           </p:nvPr>
         </p:nvSpPr>
-        <p:spPr/>
+        <p:spPr>
+          <a:xfrm>
+            <a:off x="779925" y="245538"/>
+            <a:ext cx="8229586" cy="768803"/>
+          </a:xfrm>
+        </p:spPr>
         <p:txBody>
           <a:bodyPr/>
           <a:lstStyle/>
@@ -9672,8 +9847,13 @@
             </a:r>
             <a:r>
               <a:rPr lang="en-US" dirty="0"/>
-              <a:t>/jdw2013</a:t>
+              <a:t>/</a:t>
             </a:r>
+            <a:r>
+              <a:rPr lang="en-US" dirty="0" err="1"/>
+              <a:t>czjug</a:t>
+            </a:r>
+            <a:endParaRPr lang="en-US" dirty="0"/>
           </a:p>
         </p:txBody>
       </p:sp>
@@ -9978,7 +10158,7 @@
       </p:grpSpPr>
       <p:sp>
         <p:nvSpPr>
-          <p:cNvPr id="7" name="Title 6"/>
+          <p:cNvPr id="2" name="Title 1"/>
           <p:cNvSpPr>
             <a:spLocks noGrp="1"/>
           </p:cNvSpPr>
@@ -9992,32 +10172,58 @@
           <a:lstStyle/>
           <a:p>
             <a:r>
-              <a:rPr lang="en-US" smtClean="0"/>
-              <a:t>Díky</a:t>
+              <a:rPr lang="en-US" dirty="0"/>
+              <a:t>http://</a:t>
             </a:r>
             <a:r>
-              <a:rPr lang="en-US" dirty="0" smtClean="0"/>
-              <a:t> </a:t>
+              <a:rPr lang="en-US" dirty="0" err="1"/>
+              <a:t>tinyurl.com</a:t>
             </a:r>
             <a:r>
-              <a:rPr lang="en-US" dirty="0" err="1" smtClean="0"/>
-              <a:t>za</a:t>
+              <a:rPr lang="en-US" dirty="0"/>
+              <a:t>/</a:t>
             </a:r>
             <a:r>
-              <a:rPr lang="en-US" dirty="0" smtClean="0"/>
-              <a:t> </a:t>
-            </a:r>
-            <a:r>
-              <a:rPr lang="en-US" dirty="0" err="1" smtClean="0"/>
-              <a:t>pozornost</a:t>
+              <a:rPr lang="en-US" dirty="0" err="1"/>
+              <a:t>czjugsrc</a:t>
             </a:r>
             <a:endParaRPr lang="en-US" dirty="0"/>
           </a:p>
         </p:txBody>
       </p:sp>
+      <p:pic>
+        <p:nvPicPr>
+          <p:cNvPr id="5" name="Content Placeholder 4" descr="qrcode.png"/>
+          <p:cNvPicPr>
+            <a:picLocks noGrp="1" noChangeAspect="1"/>
+          </p:cNvPicPr>
+          <p:nvPr>
+            <p:ph sz="quarter" idx="12"/>
+          </p:nvPr>
+        </p:nvPicPr>
+        <p:blipFill>
+          <a:blip r:embed="rId2">
+            <a:extLst>
+              <a:ext uri="{28A0092B-C50C-407E-A947-70E740481C1C}">
+                <a14:useLocalDpi xmlns:a14="http://schemas.microsoft.com/office/drawing/2010/main" val="0"/>
+              </a:ext>
+            </a:extLst>
+          </a:blip>
+          <a:srcRect l="-53992" r="-53992"/>
+          <a:stretch>
+            <a:fillRect/>
+          </a:stretch>
+        </p:blipFill>
+        <p:spPr>
+          <a:xfrm>
+            <a:off x="804347" y="740892"/>
+            <a:ext cx="8229600" cy="3956852"/>
+          </a:xfrm>
+        </p:spPr>
+      </p:pic>
       <p:sp>
         <p:nvSpPr>
-          <p:cNvPr id="8" name="Text Placeholder 7"/>
+          <p:cNvPr id="4" name="Text Placeholder 3"/>
           <p:cNvSpPr>
             <a:spLocks noGrp="1"/>
           </p:cNvSpPr>
@@ -10030,76 +10236,14 @@
           <a:bodyPr/>
           <a:lstStyle/>
           <a:p>
-            <a:r>
-              <a:rPr lang="en-US" dirty="0" smtClean="0"/>
-              <a:t/>
-            </a:r>
-            <a:br>
-              <a:rPr lang="en-US" dirty="0" smtClean="0"/>
-            </a:br>
-            <a:endParaRPr lang="en-US" dirty="0"/>
+            <a:endParaRPr lang="en-US"/>
           </a:p>
         </p:txBody>
       </p:sp>
-      <p:pic>
-        <p:nvPicPr>
-          <p:cNvPr id="10" name="Picture 9" descr="O_signature_wht_rgb.png"/>
-          <p:cNvPicPr>
-            <a:picLocks noChangeAspect="1"/>
-          </p:cNvPicPr>
-          <p:nvPr/>
-        </p:nvPicPr>
-        <p:blipFill>
-          <a:blip r:embed="rId3" cstate="print">
-            <a:extLst>
-              <a:ext uri="{28A0092B-C50C-407E-A947-70E740481C1C}">
-                <a14:useLocalDpi xmlns:a14="http://schemas.microsoft.com/office/drawing/2010/main" val="0"/>
-              </a:ext>
-            </a:extLst>
-          </a:blip>
-          <a:stretch>
-            <a:fillRect/>
-          </a:stretch>
-        </p:blipFill>
-        <p:spPr>
-          <a:xfrm>
-            <a:off x="5976425" y="4055396"/>
-            <a:ext cx="1050909" cy="324030"/>
-          </a:xfrm>
-          <a:prstGeom prst="rect">
-            <a:avLst/>
-          </a:prstGeom>
-        </p:spPr>
-      </p:pic>
-      <p:pic>
-        <p:nvPicPr>
-          <p:cNvPr id="3" name="Picture Placeholder 2" descr="JavaOne-Title_-16x9.jpg"/>
-          <p:cNvPicPr>
-            <a:picLocks noGrp="1" noChangeAspect="1"/>
-          </p:cNvPicPr>
-          <p:nvPr>
-            <p:ph type="pic" sz="quarter" idx="14"/>
-          </p:nvPr>
-        </p:nvPicPr>
-        <p:blipFill>
-          <a:blip r:embed="rId4" cstate="print">
-            <a:extLst>
-              <a:ext uri="{28A0092B-C50C-407E-A947-70E740481C1C}">
-                <a14:useLocalDpi xmlns:a14="http://schemas.microsoft.com/office/drawing/2010/main" val="0"/>
-              </a:ext>
-            </a:extLst>
-          </a:blip>
-          <a:srcRect t="89" b="89"/>
-          <a:stretch>
-            <a:fillRect/>
-          </a:stretch>
-        </p:blipFill>
-        <p:spPr/>
-      </p:pic>
     </p:spTree>
     <p:extLst>
       <p:ext uri="{BB962C8B-B14F-4D97-AF65-F5344CB8AC3E}">
-        <p14:creationId xmlns:p14="http://schemas.microsoft.com/office/powerpoint/2010/main" val="2357918461"/>
+        <p14:creationId xmlns:p14="http://schemas.microsoft.com/office/powerpoint/2010/main" val="517437131"/>
       </p:ext>
     </p:extLst>
   </p:cSld>
@@ -10118,13 +10262,6 @@
       </p:transition>
     </mc:Fallback>
   </mc:AlternateContent>
-  <p:timing>
-    <p:tnLst>
-      <p:par>
-        <p:cTn xmlns:p14="http://schemas.microsoft.com/office/powerpoint/2010/main" id="1" dur="indefinite" restart="never" nodeType="tmRoot"/>
-      </p:par>
-    </p:tnLst>
-  </p:timing>
 </p:sld>
 </file>
 
